--- a/rough-diag.pptx
+++ b/rough-diag.pptx
@@ -15,6 +15,8 @@
     <p:sldId id="263" r:id="rId9"/>
     <p:sldId id="264" r:id="rId10"/>
     <p:sldId id="265" r:id="rId11"/>
+    <p:sldId id="266" r:id="rId12"/>
+    <p:sldId id="267" r:id="rId13"/>
   </p:sldIdLst>
   <p:sldSz cx="12192000" cy="6858000"/>
   <p:notesSz cx="6858000" cy="9144000"/>
@@ -4241,6 +4243,1769 @@
 </p:sld>
 </file>
 
+<file path=ppt/slides/slide11.xml><?xml version="1.0" encoding="utf-8"?>
+<p:sld xmlns:a="http://schemas.openxmlformats.org/drawingml/2006/main" xmlns:r="http://schemas.openxmlformats.org/officeDocument/2006/relationships" xmlns:p="http://schemas.openxmlformats.org/presentationml/2006/main">
+  <p:cSld>
+    <p:spTree>
+      <p:nvGrpSpPr>
+        <p:cNvPr id="1" name=""/>
+        <p:cNvGrpSpPr/>
+        <p:nvPr/>
+      </p:nvGrpSpPr>
+      <p:grpSpPr>
+        <a:xfrm>
+          <a:off x="0" y="0"/>
+          <a:ext cx="0" cy="0"/>
+          <a:chOff x="0" y="0"/>
+          <a:chExt cx="0" cy="0"/>
+        </a:xfrm>
+      </p:grpSpPr>
+      <p:sp>
+        <p:nvSpPr>
+          <p:cNvPr id="2" name="Rectangle 1">
+            <a:extLst>
+              <a:ext uri="{FF2B5EF4-FFF2-40B4-BE49-F238E27FC236}">
+                <a16:creationId xmlns:a16="http://schemas.microsoft.com/office/drawing/2014/main" id="{104F0436-2C19-4B89-BDC1-3691CADFC42E}"/>
+              </a:ext>
+            </a:extLst>
+          </p:cNvPr>
+          <p:cNvSpPr/>
+          <p:nvPr/>
+        </p:nvSpPr>
+        <p:spPr>
+          <a:xfrm>
+            <a:off x="5276850" y="819150"/>
+            <a:ext cx="4800600" cy="2019300"/>
+          </a:xfrm>
+          <a:prstGeom prst="rect">
+            <a:avLst/>
+          </a:prstGeom>
+          <a:noFill/>
+        </p:spPr>
+        <p:style>
+          <a:lnRef idx="2">
+            <a:schemeClr val="accent1">
+              <a:shade val="50000"/>
+            </a:schemeClr>
+          </a:lnRef>
+          <a:fillRef idx="1">
+            <a:schemeClr val="accent1"/>
+          </a:fillRef>
+          <a:effectRef idx="0">
+            <a:schemeClr val="accent1"/>
+          </a:effectRef>
+          <a:fontRef idx="minor">
+            <a:schemeClr val="lt1"/>
+          </a:fontRef>
+        </p:style>
+        <p:txBody>
+          <a:bodyPr rtlCol="0" anchor="ctr"/>
+          <a:lstStyle/>
+          <a:p>
+            <a:pPr algn="ctr"/>
+            <a:endParaRPr lang="en-US"/>
+          </a:p>
+        </p:txBody>
+      </p:sp>
+      <p:sp>
+        <p:nvSpPr>
+          <p:cNvPr id="3" name="Freeform: Shape 2">
+            <a:extLst>
+              <a:ext uri="{FF2B5EF4-FFF2-40B4-BE49-F238E27FC236}">
+                <a16:creationId xmlns:a16="http://schemas.microsoft.com/office/drawing/2014/main" id="{AE42D932-EA78-4D59-A5B4-973B9A36BC76}"/>
+              </a:ext>
+            </a:extLst>
+          </p:cNvPr>
+          <p:cNvSpPr/>
+          <p:nvPr/>
+        </p:nvSpPr>
+        <p:spPr>
+          <a:xfrm>
+            <a:off x="5448300" y="2152650"/>
+            <a:ext cx="104775" cy="628650"/>
+          </a:xfrm>
+          <a:custGeom>
+            <a:avLst/>
+            <a:gdLst>
+              <a:gd name="connsiteX0" fmla="*/ 0 w 104775"/>
+              <a:gd name="connsiteY0" fmla="*/ 0 h 628650"/>
+              <a:gd name="connsiteX1" fmla="*/ 47625 w 104775"/>
+              <a:gd name="connsiteY1" fmla="*/ 28575 h 628650"/>
+              <a:gd name="connsiteX2" fmla="*/ 76200 w 104775"/>
+              <a:gd name="connsiteY2" fmla="*/ 47625 h 628650"/>
+              <a:gd name="connsiteX3" fmla="*/ 95250 w 104775"/>
+              <a:gd name="connsiteY3" fmla="*/ 76200 h 628650"/>
+              <a:gd name="connsiteX4" fmla="*/ 104775 w 104775"/>
+              <a:gd name="connsiteY4" fmla="*/ 114300 h 628650"/>
+              <a:gd name="connsiteX5" fmla="*/ 85725 w 104775"/>
+              <a:gd name="connsiteY5" fmla="*/ 180975 h 628650"/>
+              <a:gd name="connsiteX6" fmla="*/ 66675 w 104775"/>
+              <a:gd name="connsiteY6" fmla="*/ 257175 h 628650"/>
+              <a:gd name="connsiteX7" fmla="*/ 57150 w 104775"/>
+              <a:gd name="connsiteY7" fmla="*/ 285750 h 628650"/>
+              <a:gd name="connsiteX8" fmla="*/ 57150 w 104775"/>
+              <a:gd name="connsiteY8" fmla="*/ 628650 h 628650"/>
+            </a:gdLst>
+            <a:ahLst/>
+            <a:cxnLst>
+              <a:cxn ang="0">
+                <a:pos x="connsiteX0" y="connsiteY0"/>
+              </a:cxn>
+              <a:cxn ang="0">
+                <a:pos x="connsiteX1" y="connsiteY1"/>
+              </a:cxn>
+              <a:cxn ang="0">
+                <a:pos x="connsiteX2" y="connsiteY2"/>
+              </a:cxn>
+              <a:cxn ang="0">
+                <a:pos x="connsiteX3" y="connsiteY3"/>
+              </a:cxn>
+              <a:cxn ang="0">
+                <a:pos x="connsiteX4" y="connsiteY4"/>
+              </a:cxn>
+              <a:cxn ang="0">
+                <a:pos x="connsiteX5" y="connsiteY5"/>
+              </a:cxn>
+              <a:cxn ang="0">
+                <a:pos x="connsiteX6" y="connsiteY6"/>
+              </a:cxn>
+              <a:cxn ang="0">
+                <a:pos x="connsiteX7" y="connsiteY7"/>
+              </a:cxn>
+              <a:cxn ang="0">
+                <a:pos x="connsiteX8" y="connsiteY8"/>
+              </a:cxn>
+            </a:cxnLst>
+            <a:rect l="l" t="t" r="r" b="b"/>
+            <a:pathLst>
+              <a:path w="104775" h="628650">
+                <a:moveTo>
+                  <a:pt x="0" y="0"/>
+                </a:moveTo>
+                <a:cubicBezTo>
+                  <a:pt x="15875" y="9525"/>
+                  <a:pt x="31926" y="18763"/>
+                  <a:pt x="47625" y="28575"/>
+                </a:cubicBezTo>
+                <a:cubicBezTo>
+                  <a:pt x="57333" y="34642"/>
+                  <a:pt x="68105" y="39530"/>
+                  <a:pt x="76200" y="47625"/>
+                </a:cubicBezTo>
+                <a:cubicBezTo>
+                  <a:pt x="84295" y="55720"/>
+                  <a:pt x="88900" y="66675"/>
+                  <a:pt x="95250" y="76200"/>
+                </a:cubicBezTo>
+                <a:cubicBezTo>
+                  <a:pt x="98425" y="88900"/>
+                  <a:pt x="104775" y="101209"/>
+                  <a:pt x="104775" y="114300"/>
+                </a:cubicBezTo>
+                <a:cubicBezTo>
+                  <a:pt x="104775" y="130164"/>
+                  <a:pt x="90217" y="164505"/>
+                  <a:pt x="85725" y="180975"/>
+                </a:cubicBezTo>
+                <a:cubicBezTo>
+                  <a:pt x="78836" y="206234"/>
+                  <a:pt x="74954" y="232337"/>
+                  <a:pt x="66675" y="257175"/>
+                </a:cubicBezTo>
+                <a:cubicBezTo>
+                  <a:pt x="63500" y="266700"/>
+                  <a:pt x="57407" y="275713"/>
+                  <a:pt x="57150" y="285750"/>
+                </a:cubicBezTo>
+                <a:cubicBezTo>
+                  <a:pt x="54220" y="400012"/>
+                  <a:pt x="57150" y="514350"/>
+                  <a:pt x="57150" y="628650"/>
+                </a:cubicBezTo>
+              </a:path>
+            </a:pathLst>
+          </a:custGeom>
+          <a:noFill/>
+        </p:spPr>
+        <p:style>
+          <a:lnRef idx="2">
+            <a:schemeClr val="accent1">
+              <a:shade val="50000"/>
+            </a:schemeClr>
+          </a:lnRef>
+          <a:fillRef idx="1">
+            <a:schemeClr val="accent1"/>
+          </a:fillRef>
+          <a:effectRef idx="0">
+            <a:schemeClr val="accent1"/>
+          </a:effectRef>
+          <a:fontRef idx="minor">
+            <a:schemeClr val="lt1"/>
+          </a:fontRef>
+        </p:style>
+        <p:txBody>
+          <a:bodyPr rtlCol="0" anchor="ctr"/>
+          <a:lstStyle/>
+          <a:p>
+            <a:pPr algn="ctr"/>
+            <a:endParaRPr lang="en-US"/>
+          </a:p>
+        </p:txBody>
+      </p:sp>
+      <p:sp>
+        <p:nvSpPr>
+          <p:cNvPr id="4" name="Oval 3">
+            <a:extLst>
+              <a:ext uri="{FF2B5EF4-FFF2-40B4-BE49-F238E27FC236}">
+                <a16:creationId xmlns:a16="http://schemas.microsoft.com/office/drawing/2014/main" id="{B4906A4A-84DD-4262-BC8C-6451907F2EFC}"/>
+              </a:ext>
+            </a:extLst>
+          </p:cNvPr>
+          <p:cNvSpPr/>
+          <p:nvPr/>
+        </p:nvSpPr>
+        <p:spPr>
+          <a:xfrm>
+            <a:off x="5953125" y="1152525"/>
+            <a:ext cx="1495425" cy="657225"/>
+          </a:xfrm>
+          <a:prstGeom prst="ellipse">
+            <a:avLst/>
+          </a:prstGeom>
+        </p:spPr>
+        <p:style>
+          <a:lnRef idx="2">
+            <a:schemeClr val="accent1">
+              <a:shade val="50000"/>
+            </a:schemeClr>
+          </a:lnRef>
+          <a:fillRef idx="1">
+            <a:schemeClr val="accent1"/>
+          </a:fillRef>
+          <a:effectRef idx="0">
+            <a:schemeClr val="accent1"/>
+          </a:effectRef>
+          <a:fontRef idx="minor">
+            <a:schemeClr val="lt1"/>
+          </a:fontRef>
+        </p:style>
+        <p:txBody>
+          <a:bodyPr rtlCol="0" anchor="ctr"/>
+          <a:lstStyle/>
+          <a:p>
+            <a:pPr algn="ctr"/>
+            <a:endParaRPr lang="en-US"/>
+          </a:p>
+        </p:txBody>
+      </p:sp>
+      <p:sp>
+        <p:nvSpPr>
+          <p:cNvPr id="5" name="TextBox 4">
+            <a:extLst>
+              <a:ext uri="{FF2B5EF4-FFF2-40B4-BE49-F238E27FC236}">
+                <a16:creationId xmlns:a16="http://schemas.microsoft.com/office/drawing/2014/main" id="{A5645513-30D5-43D1-9406-84B28FA4D816}"/>
+              </a:ext>
+            </a:extLst>
+          </p:cNvPr>
+          <p:cNvSpPr txBox="1"/>
+          <p:nvPr/>
+        </p:nvSpPr>
+        <p:spPr>
+          <a:xfrm flipH="1">
+            <a:off x="5553075" y="2313027"/>
+            <a:ext cx="1421131" cy="369332"/>
+          </a:xfrm>
+          <a:prstGeom prst="rect">
+            <a:avLst/>
+          </a:prstGeom>
+          <a:noFill/>
+        </p:spPr>
+        <p:txBody>
+          <a:bodyPr wrap="square" rtlCol="0">
+            <a:spAutoFit/>
+          </a:bodyPr>
+          <a:lstStyle/>
+          <a:p>
+            <a:r>
+              <a:rPr lang="en-US" dirty="0" err="1"/>
+              <a:t>dockerd</a:t>
+            </a:r>
+            <a:endParaRPr lang="en-US" dirty="0"/>
+          </a:p>
+        </p:txBody>
+      </p:sp>
+      <p:sp>
+        <p:nvSpPr>
+          <p:cNvPr id="6" name="TextBox 5">
+            <a:extLst>
+              <a:ext uri="{FF2B5EF4-FFF2-40B4-BE49-F238E27FC236}">
+                <a16:creationId xmlns:a16="http://schemas.microsoft.com/office/drawing/2014/main" id="{57A09614-8D95-4530-AB59-016403F2EAE5}"/>
+              </a:ext>
+            </a:extLst>
+          </p:cNvPr>
+          <p:cNvSpPr txBox="1"/>
+          <p:nvPr/>
+        </p:nvSpPr>
+        <p:spPr>
+          <a:xfrm>
+            <a:off x="7896225" y="457200"/>
+            <a:ext cx="1000125" cy="646331"/>
+          </a:xfrm>
+          <a:prstGeom prst="rect">
+            <a:avLst/>
+          </a:prstGeom>
+          <a:noFill/>
+        </p:spPr>
+        <p:txBody>
+          <a:bodyPr wrap="square" rtlCol="0">
+            <a:spAutoFit/>
+          </a:bodyPr>
+          <a:lstStyle/>
+          <a:p>
+            <a:r>
+              <a:rPr lang="en-US" dirty="0"/>
+              <a:t>128G, 32C</a:t>
+            </a:r>
+          </a:p>
+        </p:txBody>
+      </p:sp>
+      <p:sp>
+        <p:nvSpPr>
+          <p:cNvPr id="7" name="Oval 6">
+            <a:extLst>
+              <a:ext uri="{FF2B5EF4-FFF2-40B4-BE49-F238E27FC236}">
+                <a16:creationId xmlns:a16="http://schemas.microsoft.com/office/drawing/2014/main" id="{609C3965-C81E-4171-ABCE-4202B541EA8A}"/>
+              </a:ext>
+            </a:extLst>
+          </p:cNvPr>
+          <p:cNvSpPr/>
+          <p:nvPr/>
+        </p:nvSpPr>
+        <p:spPr>
+          <a:xfrm>
+            <a:off x="6105525" y="1304925"/>
+            <a:ext cx="1495425" cy="657225"/>
+          </a:xfrm>
+          <a:prstGeom prst="ellipse">
+            <a:avLst/>
+          </a:prstGeom>
+        </p:spPr>
+        <p:style>
+          <a:lnRef idx="2">
+            <a:schemeClr val="accent1">
+              <a:shade val="50000"/>
+            </a:schemeClr>
+          </a:lnRef>
+          <a:fillRef idx="1">
+            <a:schemeClr val="accent1"/>
+          </a:fillRef>
+          <a:effectRef idx="0">
+            <a:schemeClr val="accent1"/>
+          </a:effectRef>
+          <a:fontRef idx="minor">
+            <a:schemeClr val="lt1"/>
+          </a:fontRef>
+        </p:style>
+        <p:txBody>
+          <a:bodyPr rtlCol="0" anchor="ctr"/>
+          <a:lstStyle/>
+          <a:p>
+            <a:pPr algn="ctr"/>
+            <a:r>
+              <a:rPr lang="en-US" dirty="0" err="1"/>
+              <a:t>lb</a:t>
+            </a:r>
+            <a:endParaRPr lang="en-US" dirty="0"/>
+          </a:p>
+        </p:txBody>
+      </p:sp>
+      <p:sp>
+        <p:nvSpPr>
+          <p:cNvPr id="8" name="Oval 7">
+            <a:extLst>
+              <a:ext uri="{FF2B5EF4-FFF2-40B4-BE49-F238E27FC236}">
+                <a16:creationId xmlns:a16="http://schemas.microsoft.com/office/drawing/2014/main" id="{FDD0C9A3-2689-46F2-8BC5-C2922A6D9930}"/>
+              </a:ext>
+            </a:extLst>
+          </p:cNvPr>
+          <p:cNvSpPr/>
+          <p:nvPr/>
+        </p:nvSpPr>
+        <p:spPr>
+          <a:xfrm>
+            <a:off x="7939087" y="1262062"/>
+            <a:ext cx="1495425" cy="657225"/>
+          </a:xfrm>
+          <a:prstGeom prst="ellipse">
+            <a:avLst/>
+          </a:prstGeom>
+        </p:spPr>
+        <p:style>
+          <a:lnRef idx="2">
+            <a:schemeClr val="accent1">
+              <a:shade val="50000"/>
+            </a:schemeClr>
+          </a:lnRef>
+          <a:fillRef idx="1">
+            <a:schemeClr val="accent1"/>
+          </a:fillRef>
+          <a:effectRef idx="0">
+            <a:schemeClr val="accent1"/>
+          </a:effectRef>
+          <a:fontRef idx="minor">
+            <a:schemeClr val="lt1"/>
+          </a:fontRef>
+        </p:style>
+        <p:txBody>
+          <a:bodyPr rtlCol="0" anchor="ctr"/>
+          <a:lstStyle/>
+          <a:p>
+            <a:pPr algn="ctr"/>
+            <a:r>
+              <a:rPr lang="en-US" dirty="0"/>
+              <a:t>ghost</a:t>
+            </a:r>
+          </a:p>
+        </p:txBody>
+      </p:sp>
+      <p:sp>
+        <p:nvSpPr>
+          <p:cNvPr id="9" name="Rectangle 8">
+            <a:extLst>
+              <a:ext uri="{FF2B5EF4-FFF2-40B4-BE49-F238E27FC236}">
+                <a16:creationId xmlns:a16="http://schemas.microsoft.com/office/drawing/2014/main" id="{E18A7474-6691-498D-943A-75FF045F5E80}"/>
+              </a:ext>
+            </a:extLst>
+          </p:cNvPr>
+          <p:cNvSpPr/>
+          <p:nvPr/>
+        </p:nvSpPr>
+        <p:spPr>
+          <a:xfrm>
+            <a:off x="5429250" y="3248025"/>
+            <a:ext cx="4800600" cy="2019300"/>
+          </a:xfrm>
+          <a:prstGeom prst="rect">
+            <a:avLst/>
+          </a:prstGeom>
+          <a:noFill/>
+        </p:spPr>
+        <p:style>
+          <a:lnRef idx="2">
+            <a:schemeClr val="accent1">
+              <a:shade val="50000"/>
+            </a:schemeClr>
+          </a:lnRef>
+          <a:fillRef idx="1">
+            <a:schemeClr val="accent1"/>
+          </a:fillRef>
+          <a:effectRef idx="0">
+            <a:schemeClr val="accent1"/>
+          </a:effectRef>
+          <a:fontRef idx="minor">
+            <a:schemeClr val="lt1"/>
+          </a:fontRef>
+        </p:style>
+        <p:txBody>
+          <a:bodyPr rtlCol="0" anchor="ctr"/>
+          <a:lstStyle/>
+          <a:p>
+            <a:pPr algn="ctr"/>
+            <a:endParaRPr lang="en-US"/>
+          </a:p>
+        </p:txBody>
+      </p:sp>
+      <p:sp>
+        <p:nvSpPr>
+          <p:cNvPr id="10" name="Freeform: Shape 9">
+            <a:extLst>
+              <a:ext uri="{FF2B5EF4-FFF2-40B4-BE49-F238E27FC236}">
+                <a16:creationId xmlns:a16="http://schemas.microsoft.com/office/drawing/2014/main" id="{74835E3E-DDB4-4855-ADF6-AF4F379BEAD7}"/>
+              </a:ext>
+            </a:extLst>
+          </p:cNvPr>
+          <p:cNvSpPr/>
+          <p:nvPr/>
+        </p:nvSpPr>
+        <p:spPr>
+          <a:xfrm>
+            <a:off x="5600700" y="4581525"/>
+            <a:ext cx="104775" cy="628650"/>
+          </a:xfrm>
+          <a:custGeom>
+            <a:avLst/>
+            <a:gdLst>
+              <a:gd name="connsiteX0" fmla="*/ 0 w 104775"/>
+              <a:gd name="connsiteY0" fmla="*/ 0 h 628650"/>
+              <a:gd name="connsiteX1" fmla="*/ 47625 w 104775"/>
+              <a:gd name="connsiteY1" fmla="*/ 28575 h 628650"/>
+              <a:gd name="connsiteX2" fmla="*/ 76200 w 104775"/>
+              <a:gd name="connsiteY2" fmla="*/ 47625 h 628650"/>
+              <a:gd name="connsiteX3" fmla="*/ 95250 w 104775"/>
+              <a:gd name="connsiteY3" fmla="*/ 76200 h 628650"/>
+              <a:gd name="connsiteX4" fmla="*/ 104775 w 104775"/>
+              <a:gd name="connsiteY4" fmla="*/ 114300 h 628650"/>
+              <a:gd name="connsiteX5" fmla="*/ 85725 w 104775"/>
+              <a:gd name="connsiteY5" fmla="*/ 180975 h 628650"/>
+              <a:gd name="connsiteX6" fmla="*/ 66675 w 104775"/>
+              <a:gd name="connsiteY6" fmla="*/ 257175 h 628650"/>
+              <a:gd name="connsiteX7" fmla="*/ 57150 w 104775"/>
+              <a:gd name="connsiteY7" fmla="*/ 285750 h 628650"/>
+              <a:gd name="connsiteX8" fmla="*/ 57150 w 104775"/>
+              <a:gd name="connsiteY8" fmla="*/ 628650 h 628650"/>
+            </a:gdLst>
+            <a:ahLst/>
+            <a:cxnLst>
+              <a:cxn ang="0">
+                <a:pos x="connsiteX0" y="connsiteY0"/>
+              </a:cxn>
+              <a:cxn ang="0">
+                <a:pos x="connsiteX1" y="connsiteY1"/>
+              </a:cxn>
+              <a:cxn ang="0">
+                <a:pos x="connsiteX2" y="connsiteY2"/>
+              </a:cxn>
+              <a:cxn ang="0">
+                <a:pos x="connsiteX3" y="connsiteY3"/>
+              </a:cxn>
+              <a:cxn ang="0">
+                <a:pos x="connsiteX4" y="connsiteY4"/>
+              </a:cxn>
+              <a:cxn ang="0">
+                <a:pos x="connsiteX5" y="connsiteY5"/>
+              </a:cxn>
+              <a:cxn ang="0">
+                <a:pos x="connsiteX6" y="connsiteY6"/>
+              </a:cxn>
+              <a:cxn ang="0">
+                <a:pos x="connsiteX7" y="connsiteY7"/>
+              </a:cxn>
+              <a:cxn ang="0">
+                <a:pos x="connsiteX8" y="connsiteY8"/>
+              </a:cxn>
+            </a:cxnLst>
+            <a:rect l="l" t="t" r="r" b="b"/>
+            <a:pathLst>
+              <a:path w="104775" h="628650">
+                <a:moveTo>
+                  <a:pt x="0" y="0"/>
+                </a:moveTo>
+                <a:cubicBezTo>
+                  <a:pt x="15875" y="9525"/>
+                  <a:pt x="31926" y="18763"/>
+                  <a:pt x="47625" y="28575"/>
+                </a:cubicBezTo>
+                <a:cubicBezTo>
+                  <a:pt x="57333" y="34642"/>
+                  <a:pt x="68105" y="39530"/>
+                  <a:pt x="76200" y="47625"/>
+                </a:cubicBezTo>
+                <a:cubicBezTo>
+                  <a:pt x="84295" y="55720"/>
+                  <a:pt x="88900" y="66675"/>
+                  <a:pt x="95250" y="76200"/>
+                </a:cubicBezTo>
+                <a:cubicBezTo>
+                  <a:pt x="98425" y="88900"/>
+                  <a:pt x="104775" y="101209"/>
+                  <a:pt x="104775" y="114300"/>
+                </a:cubicBezTo>
+                <a:cubicBezTo>
+                  <a:pt x="104775" y="130164"/>
+                  <a:pt x="90217" y="164505"/>
+                  <a:pt x="85725" y="180975"/>
+                </a:cubicBezTo>
+                <a:cubicBezTo>
+                  <a:pt x="78836" y="206234"/>
+                  <a:pt x="74954" y="232337"/>
+                  <a:pt x="66675" y="257175"/>
+                </a:cubicBezTo>
+                <a:cubicBezTo>
+                  <a:pt x="63500" y="266700"/>
+                  <a:pt x="57407" y="275713"/>
+                  <a:pt x="57150" y="285750"/>
+                </a:cubicBezTo>
+                <a:cubicBezTo>
+                  <a:pt x="54220" y="400012"/>
+                  <a:pt x="57150" y="514350"/>
+                  <a:pt x="57150" y="628650"/>
+                </a:cubicBezTo>
+              </a:path>
+            </a:pathLst>
+          </a:custGeom>
+          <a:noFill/>
+        </p:spPr>
+        <p:style>
+          <a:lnRef idx="2">
+            <a:schemeClr val="accent1">
+              <a:shade val="50000"/>
+            </a:schemeClr>
+          </a:lnRef>
+          <a:fillRef idx="1">
+            <a:schemeClr val="accent1"/>
+          </a:fillRef>
+          <a:effectRef idx="0">
+            <a:schemeClr val="accent1"/>
+          </a:effectRef>
+          <a:fontRef idx="minor">
+            <a:schemeClr val="lt1"/>
+          </a:fontRef>
+        </p:style>
+        <p:txBody>
+          <a:bodyPr rtlCol="0" anchor="ctr"/>
+          <a:lstStyle/>
+          <a:p>
+            <a:pPr algn="ctr"/>
+            <a:endParaRPr lang="en-US"/>
+          </a:p>
+        </p:txBody>
+      </p:sp>
+      <p:sp>
+        <p:nvSpPr>
+          <p:cNvPr id="11" name="Oval 10">
+            <a:extLst>
+              <a:ext uri="{FF2B5EF4-FFF2-40B4-BE49-F238E27FC236}">
+                <a16:creationId xmlns:a16="http://schemas.microsoft.com/office/drawing/2014/main" id="{A286C2F1-22E5-4A76-A948-25C8333D473A}"/>
+              </a:ext>
+            </a:extLst>
+          </p:cNvPr>
+          <p:cNvSpPr/>
+          <p:nvPr/>
+        </p:nvSpPr>
+        <p:spPr>
+          <a:xfrm>
+            <a:off x="6105525" y="3581400"/>
+            <a:ext cx="1495425" cy="657225"/>
+          </a:xfrm>
+          <a:prstGeom prst="ellipse">
+            <a:avLst/>
+          </a:prstGeom>
+        </p:spPr>
+        <p:style>
+          <a:lnRef idx="2">
+            <a:schemeClr val="accent1">
+              <a:shade val="50000"/>
+            </a:schemeClr>
+          </a:lnRef>
+          <a:fillRef idx="1">
+            <a:schemeClr val="accent1"/>
+          </a:fillRef>
+          <a:effectRef idx="0">
+            <a:schemeClr val="accent1"/>
+          </a:effectRef>
+          <a:fontRef idx="minor">
+            <a:schemeClr val="lt1"/>
+          </a:fontRef>
+        </p:style>
+        <p:txBody>
+          <a:bodyPr rtlCol="0" anchor="ctr"/>
+          <a:lstStyle/>
+          <a:p>
+            <a:pPr algn="ctr"/>
+            <a:endParaRPr lang="en-US"/>
+          </a:p>
+        </p:txBody>
+      </p:sp>
+      <p:sp>
+        <p:nvSpPr>
+          <p:cNvPr id="12" name="TextBox 11">
+            <a:extLst>
+              <a:ext uri="{FF2B5EF4-FFF2-40B4-BE49-F238E27FC236}">
+                <a16:creationId xmlns:a16="http://schemas.microsoft.com/office/drawing/2014/main" id="{31CB1843-E246-4DF0-A790-1F48727B425E}"/>
+              </a:ext>
+            </a:extLst>
+          </p:cNvPr>
+          <p:cNvSpPr txBox="1"/>
+          <p:nvPr/>
+        </p:nvSpPr>
+        <p:spPr>
+          <a:xfrm flipH="1">
+            <a:off x="5705475" y="4741902"/>
+            <a:ext cx="1421131" cy="369332"/>
+          </a:xfrm>
+          <a:prstGeom prst="rect">
+            <a:avLst/>
+          </a:prstGeom>
+          <a:noFill/>
+        </p:spPr>
+        <p:txBody>
+          <a:bodyPr wrap="square" rtlCol="0">
+            <a:spAutoFit/>
+          </a:bodyPr>
+          <a:lstStyle/>
+          <a:p>
+            <a:r>
+              <a:rPr lang="en-US" dirty="0" err="1"/>
+              <a:t>dockerd</a:t>
+            </a:r>
+            <a:endParaRPr lang="en-US" dirty="0"/>
+          </a:p>
+        </p:txBody>
+      </p:sp>
+      <p:sp>
+        <p:nvSpPr>
+          <p:cNvPr id="13" name="TextBox 12">
+            <a:extLst>
+              <a:ext uri="{FF2B5EF4-FFF2-40B4-BE49-F238E27FC236}">
+                <a16:creationId xmlns:a16="http://schemas.microsoft.com/office/drawing/2014/main" id="{42602EDC-7E60-4EF6-93DC-84B2ABAC2209}"/>
+              </a:ext>
+            </a:extLst>
+          </p:cNvPr>
+          <p:cNvSpPr txBox="1"/>
+          <p:nvPr/>
+        </p:nvSpPr>
+        <p:spPr>
+          <a:xfrm>
+            <a:off x="8048625" y="2886075"/>
+            <a:ext cx="1000125" cy="646331"/>
+          </a:xfrm>
+          <a:prstGeom prst="rect">
+            <a:avLst/>
+          </a:prstGeom>
+          <a:noFill/>
+        </p:spPr>
+        <p:txBody>
+          <a:bodyPr wrap="square" rtlCol="0">
+            <a:spAutoFit/>
+          </a:bodyPr>
+          <a:lstStyle/>
+          <a:p>
+            <a:r>
+              <a:rPr lang="en-US" dirty="0"/>
+              <a:t>128G, 32C</a:t>
+            </a:r>
+          </a:p>
+        </p:txBody>
+      </p:sp>
+      <p:sp>
+        <p:nvSpPr>
+          <p:cNvPr id="14" name="Oval 13">
+            <a:extLst>
+              <a:ext uri="{FF2B5EF4-FFF2-40B4-BE49-F238E27FC236}">
+                <a16:creationId xmlns:a16="http://schemas.microsoft.com/office/drawing/2014/main" id="{6CA9D14C-93B1-40A4-A15E-95905E4BA03F}"/>
+              </a:ext>
+            </a:extLst>
+          </p:cNvPr>
+          <p:cNvSpPr/>
+          <p:nvPr/>
+        </p:nvSpPr>
+        <p:spPr>
+          <a:xfrm>
+            <a:off x="6257925" y="3733800"/>
+            <a:ext cx="1495425" cy="657225"/>
+          </a:xfrm>
+          <a:prstGeom prst="ellipse">
+            <a:avLst/>
+          </a:prstGeom>
+        </p:spPr>
+        <p:style>
+          <a:lnRef idx="2">
+            <a:schemeClr val="accent1">
+              <a:shade val="50000"/>
+            </a:schemeClr>
+          </a:lnRef>
+          <a:fillRef idx="1">
+            <a:schemeClr val="accent1"/>
+          </a:fillRef>
+          <a:effectRef idx="0">
+            <a:schemeClr val="accent1"/>
+          </a:effectRef>
+          <a:fontRef idx="minor">
+            <a:schemeClr val="lt1"/>
+          </a:fontRef>
+        </p:style>
+        <p:txBody>
+          <a:bodyPr rtlCol="0" anchor="ctr"/>
+          <a:lstStyle/>
+          <a:p>
+            <a:pPr algn="ctr"/>
+            <a:endParaRPr lang="en-US"/>
+          </a:p>
+        </p:txBody>
+      </p:sp>
+      <p:sp>
+        <p:nvSpPr>
+          <p:cNvPr id="15" name="Oval 14">
+            <a:extLst>
+              <a:ext uri="{FF2B5EF4-FFF2-40B4-BE49-F238E27FC236}">
+                <a16:creationId xmlns:a16="http://schemas.microsoft.com/office/drawing/2014/main" id="{34D79332-9926-47DD-8444-3985B2E51040}"/>
+              </a:ext>
+            </a:extLst>
+          </p:cNvPr>
+          <p:cNvSpPr/>
+          <p:nvPr/>
+        </p:nvSpPr>
+        <p:spPr>
+          <a:xfrm>
+            <a:off x="8167687" y="3910012"/>
+            <a:ext cx="1495425" cy="657225"/>
+          </a:xfrm>
+          <a:prstGeom prst="ellipse">
+            <a:avLst/>
+          </a:prstGeom>
+        </p:spPr>
+        <p:style>
+          <a:lnRef idx="2">
+            <a:schemeClr val="accent1">
+              <a:shade val="50000"/>
+            </a:schemeClr>
+          </a:lnRef>
+          <a:fillRef idx="1">
+            <a:schemeClr val="accent1"/>
+          </a:fillRef>
+          <a:effectRef idx="0">
+            <a:schemeClr val="accent1"/>
+          </a:effectRef>
+          <a:fontRef idx="minor">
+            <a:schemeClr val="lt1"/>
+          </a:fontRef>
+        </p:style>
+        <p:txBody>
+          <a:bodyPr rtlCol="0" anchor="ctr"/>
+          <a:lstStyle/>
+          <a:p>
+            <a:pPr algn="ctr"/>
+            <a:r>
+              <a:rPr lang="en-US" dirty="0" err="1"/>
+              <a:t>db</a:t>
+            </a:r>
+            <a:endParaRPr lang="en-US" dirty="0"/>
+          </a:p>
+        </p:txBody>
+      </p:sp>
+      <p:sp>
+        <p:nvSpPr>
+          <p:cNvPr id="16" name="TextBox 15">
+            <a:extLst>
+              <a:ext uri="{FF2B5EF4-FFF2-40B4-BE49-F238E27FC236}">
+                <a16:creationId xmlns:a16="http://schemas.microsoft.com/office/drawing/2014/main" id="{7D24D05C-CF49-4FF5-A998-62B3DFD06F70}"/>
+              </a:ext>
+            </a:extLst>
+          </p:cNvPr>
+          <p:cNvSpPr txBox="1"/>
+          <p:nvPr/>
+        </p:nvSpPr>
+        <p:spPr>
+          <a:xfrm>
+            <a:off x="8167687" y="2004537"/>
+            <a:ext cx="1652588" cy="646331"/>
+          </a:xfrm>
+          <a:prstGeom prst="rect">
+            <a:avLst/>
+          </a:prstGeom>
+          <a:noFill/>
+        </p:spPr>
+        <p:txBody>
+          <a:bodyPr wrap="square" rtlCol="0">
+            <a:spAutoFit/>
+          </a:bodyPr>
+          <a:lstStyle/>
+          <a:p>
+            <a:r>
+              <a:rPr lang="en-US" dirty="0"/>
+              <a:t>172.17.0.5</a:t>
+            </a:r>
+          </a:p>
+          <a:p>
+            <a:r>
+              <a:rPr lang="en-US" dirty="0"/>
+              <a:t>Ip2:9090</a:t>
+            </a:r>
+          </a:p>
+        </p:txBody>
+      </p:sp>
+      <p:sp>
+        <p:nvSpPr>
+          <p:cNvPr id="17" name="TextBox 16">
+            <a:extLst>
+              <a:ext uri="{FF2B5EF4-FFF2-40B4-BE49-F238E27FC236}">
+                <a16:creationId xmlns:a16="http://schemas.microsoft.com/office/drawing/2014/main" id="{9BB9FFC7-9389-4AA9-91E7-CE9A9224EE86}"/>
+              </a:ext>
+            </a:extLst>
+          </p:cNvPr>
+          <p:cNvSpPr txBox="1"/>
+          <p:nvPr/>
+        </p:nvSpPr>
+        <p:spPr>
+          <a:xfrm>
+            <a:off x="8310562" y="4509612"/>
+            <a:ext cx="1652588" cy="369332"/>
+          </a:xfrm>
+          <a:prstGeom prst="rect">
+            <a:avLst/>
+          </a:prstGeom>
+          <a:noFill/>
+        </p:spPr>
+        <p:txBody>
+          <a:bodyPr wrap="square" rtlCol="0">
+            <a:spAutoFit/>
+          </a:bodyPr>
+          <a:lstStyle/>
+          <a:p>
+            <a:r>
+              <a:rPr lang="en-US" dirty="0"/>
+              <a:t>172.17.0.6</a:t>
+            </a:r>
+          </a:p>
+        </p:txBody>
+      </p:sp>
+      <p:cxnSp>
+        <p:nvCxnSpPr>
+          <p:cNvPr id="19" name="Straight Arrow Connector 18">
+            <a:extLst>
+              <a:ext uri="{FF2B5EF4-FFF2-40B4-BE49-F238E27FC236}">
+                <a16:creationId xmlns:a16="http://schemas.microsoft.com/office/drawing/2014/main" id="{92EA3533-9404-4C55-A2E2-7403D50E990F}"/>
+              </a:ext>
+            </a:extLst>
+          </p:cNvPr>
+          <p:cNvCxnSpPr>
+            <a:stCxn id="15" idx="2"/>
+          </p:cNvCxnSpPr>
+          <p:nvPr/>
+        </p:nvCxnSpPr>
+        <p:spPr>
+          <a:xfrm flipH="1">
+            <a:off x="5276850" y="4238625"/>
+            <a:ext cx="2890837" cy="0"/>
+          </a:xfrm>
+          <a:prstGeom prst="straightConnector1">
+            <a:avLst/>
+          </a:prstGeom>
+          <a:ln>
+            <a:tailEnd type="triangle"/>
+          </a:ln>
+        </p:spPr>
+        <p:style>
+          <a:lnRef idx="1">
+            <a:schemeClr val="accent1"/>
+          </a:lnRef>
+          <a:fillRef idx="0">
+            <a:schemeClr val="accent1"/>
+          </a:fillRef>
+          <a:effectRef idx="0">
+            <a:schemeClr val="accent1"/>
+          </a:effectRef>
+          <a:fontRef idx="minor">
+            <a:schemeClr val="tx1"/>
+          </a:fontRef>
+        </p:style>
+      </p:cxnSp>
+      <p:sp>
+        <p:nvSpPr>
+          <p:cNvPr id="20" name="TextBox 19">
+            <a:extLst>
+              <a:ext uri="{FF2B5EF4-FFF2-40B4-BE49-F238E27FC236}">
+                <a16:creationId xmlns:a16="http://schemas.microsoft.com/office/drawing/2014/main" id="{0D8EB198-7635-440C-BE45-9534469F1101}"/>
+              </a:ext>
+            </a:extLst>
+          </p:cNvPr>
+          <p:cNvSpPr txBox="1"/>
+          <p:nvPr/>
+        </p:nvSpPr>
+        <p:spPr>
+          <a:xfrm>
+            <a:off x="5448300" y="3105150"/>
+            <a:ext cx="1495425" cy="369332"/>
+          </a:xfrm>
+          <a:prstGeom prst="rect">
+            <a:avLst/>
+          </a:prstGeom>
+          <a:noFill/>
+        </p:spPr>
+        <p:txBody>
+          <a:bodyPr wrap="square" rtlCol="0">
+            <a:spAutoFit/>
+          </a:bodyPr>
+          <a:lstStyle/>
+          <a:p>
+            <a:r>
+              <a:rPr lang="en-US" dirty="0"/>
+              <a:t>Node2: ip2</a:t>
+            </a:r>
+          </a:p>
+        </p:txBody>
+      </p:sp>
+      <p:sp>
+        <p:nvSpPr>
+          <p:cNvPr id="21" name="TextBox 20">
+            <a:extLst>
+              <a:ext uri="{FF2B5EF4-FFF2-40B4-BE49-F238E27FC236}">
+                <a16:creationId xmlns:a16="http://schemas.microsoft.com/office/drawing/2014/main" id="{D43F6245-2CC0-4157-8AA8-C72C1E331C21}"/>
+              </a:ext>
+            </a:extLst>
+          </p:cNvPr>
+          <p:cNvSpPr txBox="1"/>
+          <p:nvPr/>
+        </p:nvSpPr>
+        <p:spPr>
+          <a:xfrm>
+            <a:off x="5448300" y="628650"/>
+            <a:ext cx="1495425" cy="369332"/>
+          </a:xfrm>
+          <a:prstGeom prst="rect">
+            <a:avLst/>
+          </a:prstGeom>
+          <a:noFill/>
+        </p:spPr>
+        <p:txBody>
+          <a:bodyPr wrap="square" rtlCol="0">
+            <a:spAutoFit/>
+          </a:bodyPr>
+          <a:lstStyle/>
+          <a:p>
+            <a:r>
+              <a:rPr lang="en-US" dirty="0"/>
+              <a:t>Node1: ip1</a:t>
+            </a:r>
+          </a:p>
+        </p:txBody>
+      </p:sp>
+      <p:sp>
+        <p:nvSpPr>
+          <p:cNvPr id="22" name="TextBox 21">
+            <a:extLst>
+              <a:ext uri="{FF2B5EF4-FFF2-40B4-BE49-F238E27FC236}">
+                <a16:creationId xmlns:a16="http://schemas.microsoft.com/office/drawing/2014/main" id="{385515EB-AE42-4590-9EE4-2C4DC5C1AD2C}"/>
+              </a:ext>
+            </a:extLst>
+          </p:cNvPr>
+          <p:cNvSpPr txBox="1"/>
+          <p:nvPr/>
+        </p:nvSpPr>
+        <p:spPr>
+          <a:xfrm>
+            <a:off x="5276850" y="4076701"/>
+            <a:ext cx="714375" cy="369332"/>
+          </a:xfrm>
+          <a:prstGeom prst="rect">
+            <a:avLst/>
+          </a:prstGeom>
+          <a:noFill/>
+        </p:spPr>
+        <p:txBody>
+          <a:bodyPr wrap="square" rtlCol="0">
+            <a:spAutoFit/>
+          </a:bodyPr>
+          <a:lstStyle/>
+          <a:p>
+            <a:r>
+              <a:rPr lang="en-US" dirty="0"/>
+              <a:t>9090</a:t>
+            </a:r>
+          </a:p>
+        </p:txBody>
+      </p:sp>
+      <p:sp>
+        <p:nvSpPr>
+          <p:cNvPr id="23" name="TextBox 22">
+            <a:extLst>
+              <a:ext uri="{FF2B5EF4-FFF2-40B4-BE49-F238E27FC236}">
+                <a16:creationId xmlns:a16="http://schemas.microsoft.com/office/drawing/2014/main" id="{308CADEF-E666-44CE-B9E9-A8DF3C77903F}"/>
+              </a:ext>
+            </a:extLst>
+          </p:cNvPr>
+          <p:cNvSpPr txBox="1"/>
+          <p:nvPr/>
+        </p:nvSpPr>
+        <p:spPr>
+          <a:xfrm>
+            <a:off x="450055" y="894873"/>
+            <a:ext cx="4057651" cy="2308324"/>
+          </a:xfrm>
+          <a:prstGeom prst="rect">
+            <a:avLst/>
+          </a:prstGeom>
+          <a:noFill/>
+        </p:spPr>
+        <p:txBody>
+          <a:bodyPr wrap="square" rtlCol="0">
+            <a:spAutoFit/>
+          </a:bodyPr>
+          <a:lstStyle/>
+          <a:p>
+            <a:r>
+              <a:rPr lang="en-US" dirty="0"/>
+              <a:t>Do not want to be node aware</a:t>
+            </a:r>
+          </a:p>
+          <a:p>
+            <a:r>
+              <a:rPr lang="en-US" dirty="0"/>
+              <a:t>Do not want </a:t>
+            </a:r>
+            <a:r>
+              <a:rPr lang="en-US" dirty="0" err="1"/>
+              <a:t>ip</a:t>
+            </a:r>
+            <a:r>
+              <a:rPr lang="en-US" dirty="0"/>
+              <a:t> address clash</a:t>
+            </a:r>
+          </a:p>
+          <a:p>
+            <a:r>
+              <a:rPr lang="en-US" dirty="0"/>
+              <a:t>Ability to scale at infra level</a:t>
+            </a:r>
+          </a:p>
+          <a:p>
+            <a:r>
+              <a:rPr lang="en-US" dirty="0"/>
+              <a:t>	manage all the </a:t>
+            </a:r>
+            <a:r>
+              <a:rPr lang="en-US" dirty="0" err="1"/>
+              <a:t>dockerd</a:t>
+            </a:r>
+            <a:endParaRPr lang="en-US" dirty="0"/>
+          </a:p>
+          <a:p>
+            <a:r>
+              <a:rPr lang="en-US" dirty="0"/>
+              <a:t>Ability to scale the application</a:t>
+            </a:r>
+          </a:p>
+          <a:p>
+            <a:r>
+              <a:rPr lang="en-US" dirty="0"/>
+              <a:t>Load balancing</a:t>
+            </a:r>
+          </a:p>
+          <a:p>
+            <a:endParaRPr lang="en-US" dirty="0"/>
+          </a:p>
+          <a:p>
+            <a:endParaRPr lang="en-US" dirty="0"/>
+          </a:p>
+        </p:txBody>
+      </p:sp>
+      <p:sp>
+        <p:nvSpPr>
+          <p:cNvPr id="24" name="Oval 23">
+            <a:extLst>
+              <a:ext uri="{FF2B5EF4-FFF2-40B4-BE49-F238E27FC236}">
+                <a16:creationId xmlns:a16="http://schemas.microsoft.com/office/drawing/2014/main" id="{8A2E522A-DC99-473F-BBDD-DC822F6603BD}"/>
+              </a:ext>
+            </a:extLst>
+          </p:cNvPr>
+          <p:cNvSpPr/>
+          <p:nvPr/>
+        </p:nvSpPr>
+        <p:spPr>
+          <a:xfrm>
+            <a:off x="8796337" y="3145869"/>
+            <a:ext cx="1495425" cy="657225"/>
+          </a:xfrm>
+          <a:prstGeom prst="ellipse">
+            <a:avLst/>
+          </a:prstGeom>
+        </p:spPr>
+        <p:style>
+          <a:lnRef idx="2">
+            <a:schemeClr val="accent1">
+              <a:shade val="50000"/>
+            </a:schemeClr>
+          </a:lnRef>
+          <a:fillRef idx="1">
+            <a:schemeClr val="accent1"/>
+          </a:fillRef>
+          <a:effectRef idx="0">
+            <a:schemeClr val="accent1"/>
+          </a:effectRef>
+          <a:fontRef idx="minor">
+            <a:schemeClr val="lt1"/>
+          </a:fontRef>
+        </p:style>
+        <p:txBody>
+          <a:bodyPr rtlCol="0" anchor="ctr"/>
+          <a:lstStyle/>
+          <a:p>
+            <a:pPr algn="ctr"/>
+            <a:r>
+              <a:rPr lang="en-US" dirty="0"/>
+              <a:t>ghost</a:t>
+            </a:r>
+          </a:p>
+        </p:txBody>
+      </p:sp>
+      <p:sp>
+        <p:nvSpPr>
+          <p:cNvPr id="25" name="TextBox 24">
+            <a:extLst>
+              <a:ext uri="{FF2B5EF4-FFF2-40B4-BE49-F238E27FC236}">
+                <a16:creationId xmlns:a16="http://schemas.microsoft.com/office/drawing/2014/main" id="{91A22D56-68FC-4C69-A3DF-7B36D701FF65}"/>
+              </a:ext>
+            </a:extLst>
+          </p:cNvPr>
+          <p:cNvSpPr txBox="1"/>
+          <p:nvPr/>
+        </p:nvSpPr>
+        <p:spPr>
+          <a:xfrm>
+            <a:off x="752475" y="457200"/>
+            <a:ext cx="2571750" cy="369332"/>
+          </a:xfrm>
+          <a:prstGeom prst="rect">
+            <a:avLst/>
+          </a:prstGeom>
+          <a:noFill/>
+        </p:spPr>
+        <p:txBody>
+          <a:bodyPr wrap="square" rtlCol="0">
+            <a:spAutoFit/>
+          </a:bodyPr>
+          <a:lstStyle/>
+          <a:p>
+            <a:r>
+              <a:rPr lang="en-US" dirty="0"/>
+              <a:t>Container orchestration</a:t>
+            </a:r>
+          </a:p>
+        </p:txBody>
+      </p:sp>
+      <p:sp>
+        <p:nvSpPr>
+          <p:cNvPr id="26" name="Rectangle 25">
+            <a:extLst>
+              <a:ext uri="{FF2B5EF4-FFF2-40B4-BE49-F238E27FC236}">
+                <a16:creationId xmlns:a16="http://schemas.microsoft.com/office/drawing/2014/main" id="{657A839D-2AC5-43AE-8C58-9ABD1F7AB24C}"/>
+              </a:ext>
+            </a:extLst>
+          </p:cNvPr>
+          <p:cNvSpPr/>
+          <p:nvPr/>
+        </p:nvSpPr>
+        <p:spPr>
+          <a:xfrm>
+            <a:off x="790575" y="3581400"/>
+            <a:ext cx="2533650" cy="1438269"/>
+          </a:xfrm>
+          <a:prstGeom prst="rect">
+            <a:avLst/>
+          </a:prstGeom>
+        </p:spPr>
+        <p:style>
+          <a:lnRef idx="2">
+            <a:schemeClr val="accent1">
+              <a:shade val="50000"/>
+            </a:schemeClr>
+          </a:lnRef>
+          <a:fillRef idx="1">
+            <a:schemeClr val="accent1"/>
+          </a:fillRef>
+          <a:effectRef idx="0">
+            <a:schemeClr val="accent1"/>
+          </a:effectRef>
+          <a:fontRef idx="minor">
+            <a:schemeClr val="lt1"/>
+          </a:fontRef>
+        </p:style>
+        <p:txBody>
+          <a:bodyPr rtlCol="0" anchor="ctr"/>
+          <a:lstStyle/>
+          <a:p>
+            <a:pPr marL="342900" indent="-342900" algn="ctr">
+              <a:buAutoNum type="arabicPeriod"/>
+            </a:pPr>
+            <a:r>
+              <a:rPr lang="en-US" dirty="0"/>
+              <a:t>Docker-swarm</a:t>
+            </a:r>
+          </a:p>
+          <a:p>
+            <a:pPr marL="342900" indent="-342900" algn="ctr">
+              <a:buAutoNum type="arabicPeriod"/>
+            </a:pPr>
+            <a:r>
+              <a:rPr lang="en-US" dirty="0"/>
+              <a:t>K8s</a:t>
+            </a:r>
+          </a:p>
+        </p:txBody>
+      </p:sp>
+      <p:cxnSp>
+        <p:nvCxnSpPr>
+          <p:cNvPr id="28" name="Straight Arrow Connector 27">
+            <a:extLst>
+              <a:ext uri="{FF2B5EF4-FFF2-40B4-BE49-F238E27FC236}">
+                <a16:creationId xmlns:a16="http://schemas.microsoft.com/office/drawing/2014/main" id="{D9E270CA-EDC2-4E06-A1F6-F7017A1D5402}"/>
+              </a:ext>
+            </a:extLst>
+          </p:cNvPr>
+          <p:cNvCxnSpPr>
+            <a:stCxn id="7" idx="6"/>
+            <a:endCxn id="8" idx="2"/>
+          </p:cNvCxnSpPr>
+          <p:nvPr/>
+        </p:nvCxnSpPr>
+        <p:spPr>
+          <a:xfrm flipV="1">
+            <a:off x="7600950" y="1590675"/>
+            <a:ext cx="338137" cy="42863"/>
+          </a:xfrm>
+          <a:prstGeom prst="straightConnector1">
+            <a:avLst/>
+          </a:prstGeom>
+          <a:ln>
+            <a:tailEnd type="triangle"/>
+          </a:ln>
+        </p:spPr>
+        <p:style>
+          <a:lnRef idx="1">
+            <a:schemeClr val="accent1"/>
+          </a:lnRef>
+          <a:fillRef idx="0">
+            <a:schemeClr val="accent1"/>
+          </a:fillRef>
+          <a:effectRef idx="0">
+            <a:schemeClr val="accent1"/>
+          </a:effectRef>
+          <a:fontRef idx="minor">
+            <a:schemeClr val="tx1"/>
+          </a:fontRef>
+        </p:style>
+      </p:cxnSp>
+      <p:cxnSp>
+        <p:nvCxnSpPr>
+          <p:cNvPr id="30" name="Straight Arrow Connector 29">
+            <a:extLst>
+              <a:ext uri="{FF2B5EF4-FFF2-40B4-BE49-F238E27FC236}">
+                <a16:creationId xmlns:a16="http://schemas.microsoft.com/office/drawing/2014/main" id="{07C8844F-DB63-4786-BC2D-65DEA3F71912}"/>
+              </a:ext>
+            </a:extLst>
+          </p:cNvPr>
+          <p:cNvCxnSpPr>
+            <a:stCxn id="7" idx="6"/>
+          </p:cNvCxnSpPr>
+          <p:nvPr/>
+        </p:nvCxnSpPr>
+        <p:spPr>
+          <a:xfrm>
+            <a:off x="7600950" y="1633538"/>
+            <a:ext cx="1195387" cy="1826418"/>
+          </a:xfrm>
+          <a:prstGeom prst="straightConnector1">
+            <a:avLst/>
+          </a:prstGeom>
+          <a:ln>
+            <a:tailEnd type="triangle"/>
+          </a:ln>
+        </p:spPr>
+        <p:style>
+          <a:lnRef idx="1">
+            <a:schemeClr val="accent1"/>
+          </a:lnRef>
+          <a:fillRef idx="0">
+            <a:schemeClr val="accent1"/>
+          </a:fillRef>
+          <a:effectRef idx="0">
+            <a:schemeClr val="accent1"/>
+          </a:effectRef>
+          <a:fontRef idx="minor">
+            <a:schemeClr val="tx1"/>
+          </a:fontRef>
+        </p:style>
+      </p:cxnSp>
+      <p:sp>
+        <p:nvSpPr>
+          <p:cNvPr id="31" name="Smiley Face 30">
+            <a:extLst>
+              <a:ext uri="{FF2B5EF4-FFF2-40B4-BE49-F238E27FC236}">
+                <a16:creationId xmlns:a16="http://schemas.microsoft.com/office/drawing/2014/main" id="{3AB07A5D-B41C-492F-B137-C3C156BB1030}"/>
+              </a:ext>
+            </a:extLst>
+          </p:cNvPr>
+          <p:cNvSpPr/>
+          <p:nvPr/>
+        </p:nvSpPr>
+        <p:spPr>
+          <a:xfrm>
+            <a:off x="4198144" y="1383268"/>
+            <a:ext cx="461962" cy="426482"/>
+          </a:xfrm>
+          <a:prstGeom prst="smileyFace">
+            <a:avLst/>
+          </a:prstGeom>
+        </p:spPr>
+        <p:style>
+          <a:lnRef idx="2">
+            <a:schemeClr val="accent1">
+              <a:shade val="50000"/>
+            </a:schemeClr>
+          </a:lnRef>
+          <a:fillRef idx="1">
+            <a:schemeClr val="accent1"/>
+          </a:fillRef>
+          <a:effectRef idx="0">
+            <a:schemeClr val="accent1"/>
+          </a:effectRef>
+          <a:fontRef idx="minor">
+            <a:schemeClr val="lt1"/>
+          </a:fontRef>
+        </p:style>
+        <p:txBody>
+          <a:bodyPr rtlCol="0" anchor="ctr"/>
+          <a:lstStyle/>
+          <a:p>
+            <a:pPr algn="ctr"/>
+            <a:endParaRPr lang="en-US"/>
+          </a:p>
+        </p:txBody>
+      </p:sp>
+      <p:cxnSp>
+        <p:nvCxnSpPr>
+          <p:cNvPr id="33" name="Straight Arrow Connector 32">
+            <a:extLst>
+              <a:ext uri="{FF2B5EF4-FFF2-40B4-BE49-F238E27FC236}">
+                <a16:creationId xmlns:a16="http://schemas.microsoft.com/office/drawing/2014/main" id="{B6AA5000-E7F2-45D4-B926-A23B81422F80}"/>
+              </a:ext>
+            </a:extLst>
+          </p:cNvPr>
+          <p:cNvCxnSpPr>
+            <a:stCxn id="31" idx="6"/>
+            <a:endCxn id="7" idx="2"/>
+          </p:cNvCxnSpPr>
+          <p:nvPr/>
+        </p:nvCxnSpPr>
+        <p:spPr>
+          <a:xfrm>
+            <a:off x="4660106" y="1596509"/>
+            <a:ext cx="1445419" cy="37029"/>
+          </a:xfrm>
+          <a:prstGeom prst="straightConnector1">
+            <a:avLst/>
+          </a:prstGeom>
+          <a:ln>
+            <a:tailEnd type="triangle"/>
+          </a:ln>
+        </p:spPr>
+        <p:style>
+          <a:lnRef idx="1">
+            <a:schemeClr val="accent1"/>
+          </a:lnRef>
+          <a:fillRef idx="0">
+            <a:schemeClr val="accent1"/>
+          </a:fillRef>
+          <a:effectRef idx="0">
+            <a:schemeClr val="accent1"/>
+          </a:effectRef>
+          <a:fontRef idx="minor">
+            <a:schemeClr val="tx1"/>
+          </a:fontRef>
+        </p:style>
+      </p:cxnSp>
+      <p:sp>
+        <p:nvSpPr>
+          <p:cNvPr id="34" name="Rectangle 33">
+            <a:extLst>
+              <a:ext uri="{FF2B5EF4-FFF2-40B4-BE49-F238E27FC236}">
+                <a16:creationId xmlns:a16="http://schemas.microsoft.com/office/drawing/2014/main" id="{5E232499-42B6-4644-930E-1C28B2D746D6}"/>
+              </a:ext>
+            </a:extLst>
+          </p:cNvPr>
+          <p:cNvSpPr/>
+          <p:nvPr/>
+        </p:nvSpPr>
+        <p:spPr>
+          <a:xfrm>
+            <a:off x="3802856" y="2481262"/>
+            <a:ext cx="857250" cy="947738"/>
+          </a:xfrm>
+          <a:prstGeom prst="rect">
+            <a:avLst/>
+          </a:prstGeom>
+        </p:spPr>
+        <p:style>
+          <a:lnRef idx="2">
+            <a:schemeClr val="accent1">
+              <a:shade val="50000"/>
+            </a:schemeClr>
+          </a:lnRef>
+          <a:fillRef idx="1">
+            <a:schemeClr val="accent1"/>
+          </a:fillRef>
+          <a:effectRef idx="0">
+            <a:schemeClr val="accent1"/>
+          </a:effectRef>
+          <a:fontRef idx="minor">
+            <a:schemeClr val="lt1"/>
+          </a:fontRef>
+        </p:style>
+        <p:txBody>
+          <a:bodyPr rtlCol="0" anchor="ctr"/>
+          <a:lstStyle/>
+          <a:p>
+            <a:pPr algn="ctr"/>
+            <a:r>
+              <a:rPr lang="en-US" dirty="0"/>
+              <a:t>master</a:t>
+            </a:r>
+          </a:p>
+        </p:txBody>
+      </p:sp>
+    </p:spTree>
+    <p:extLst>
+      <p:ext uri="{BB962C8B-B14F-4D97-AF65-F5344CB8AC3E}">
+        <p14:creationId xmlns:p14="http://schemas.microsoft.com/office/powerpoint/2010/main" val="4221370323"/>
+      </p:ext>
+    </p:extLst>
+  </p:cSld>
+  <p:clrMapOvr>
+    <a:masterClrMapping/>
+  </p:clrMapOvr>
+</p:sld>
+</file>
+
+<file path=ppt/slides/slide12.xml><?xml version="1.0" encoding="utf-8"?>
+<p:sld xmlns:a="http://schemas.openxmlformats.org/drawingml/2006/main" xmlns:r="http://schemas.openxmlformats.org/officeDocument/2006/relationships" xmlns:p="http://schemas.openxmlformats.org/presentationml/2006/main">
+  <p:cSld>
+    <p:spTree>
+      <p:nvGrpSpPr>
+        <p:cNvPr id="1" name=""/>
+        <p:cNvGrpSpPr/>
+        <p:nvPr/>
+      </p:nvGrpSpPr>
+      <p:grpSpPr>
+        <a:xfrm>
+          <a:off x="0" y="0"/>
+          <a:ext cx="0" cy="0"/>
+          <a:chOff x="0" y="0"/>
+          <a:chExt cx="0" cy="0"/>
+        </a:xfrm>
+      </p:grpSpPr>
+      <p:sp>
+        <p:nvSpPr>
+          <p:cNvPr id="2" name="TextBox 1">
+            <a:extLst>
+              <a:ext uri="{FF2B5EF4-FFF2-40B4-BE49-F238E27FC236}">
+                <a16:creationId xmlns:a16="http://schemas.microsoft.com/office/drawing/2014/main" id="{C5E65554-3B2F-4848-B20F-6285A344D516}"/>
+              </a:ext>
+            </a:extLst>
+          </p:cNvPr>
+          <p:cNvSpPr txBox="1"/>
+          <p:nvPr/>
+        </p:nvSpPr>
+        <p:spPr>
+          <a:xfrm>
+            <a:off x="3190875" y="685800"/>
+            <a:ext cx="1647825" cy="369332"/>
+          </a:xfrm>
+          <a:prstGeom prst="rect">
+            <a:avLst/>
+          </a:prstGeom>
+          <a:noFill/>
+        </p:spPr>
+        <p:txBody>
+          <a:bodyPr wrap="square" rtlCol="0">
+            <a:spAutoFit/>
+          </a:bodyPr>
+          <a:lstStyle/>
+          <a:p>
+            <a:r>
+              <a:rPr lang="en-US" dirty="0"/>
+              <a:t>Docker-swarm</a:t>
+            </a:r>
+          </a:p>
+        </p:txBody>
+      </p:sp>
+      <p:sp>
+        <p:nvSpPr>
+          <p:cNvPr id="3" name="TextBox 2">
+            <a:extLst>
+              <a:ext uri="{FF2B5EF4-FFF2-40B4-BE49-F238E27FC236}">
+                <a16:creationId xmlns:a16="http://schemas.microsoft.com/office/drawing/2014/main" id="{E4BE55DA-361D-4413-B81F-2C0D34D0F73E}"/>
+              </a:ext>
+            </a:extLst>
+          </p:cNvPr>
+          <p:cNvSpPr txBox="1"/>
+          <p:nvPr/>
+        </p:nvSpPr>
+        <p:spPr>
+          <a:xfrm>
+            <a:off x="7591425" y="714375"/>
+            <a:ext cx="1647825" cy="369332"/>
+          </a:xfrm>
+          <a:prstGeom prst="rect">
+            <a:avLst/>
+          </a:prstGeom>
+          <a:noFill/>
+        </p:spPr>
+        <p:txBody>
+          <a:bodyPr wrap="square" rtlCol="0">
+            <a:spAutoFit/>
+          </a:bodyPr>
+          <a:lstStyle/>
+          <a:p>
+            <a:r>
+              <a:rPr lang="en-US" dirty="0"/>
+              <a:t>K8s</a:t>
+            </a:r>
+          </a:p>
+        </p:txBody>
+      </p:sp>
+      <p:sp>
+        <p:nvSpPr>
+          <p:cNvPr id="4" name="TextBox 3">
+            <a:extLst>
+              <a:ext uri="{FF2B5EF4-FFF2-40B4-BE49-F238E27FC236}">
+                <a16:creationId xmlns:a16="http://schemas.microsoft.com/office/drawing/2014/main" id="{714A426B-3A9A-4B2F-BB36-97D2238A49C0}"/>
+              </a:ext>
+            </a:extLst>
+          </p:cNvPr>
+          <p:cNvSpPr txBox="1"/>
+          <p:nvPr/>
+        </p:nvSpPr>
+        <p:spPr>
+          <a:xfrm>
+            <a:off x="3009900" y="1228725"/>
+            <a:ext cx="3333750" cy="1477328"/>
+          </a:xfrm>
+          <a:prstGeom prst="rect">
+            <a:avLst/>
+          </a:prstGeom>
+          <a:noFill/>
+        </p:spPr>
+        <p:txBody>
+          <a:bodyPr wrap="square" rtlCol="0">
+            <a:spAutoFit/>
+          </a:bodyPr>
+          <a:lstStyle/>
+          <a:p>
+            <a:r>
+              <a:rPr lang="en-US" dirty="0"/>
+              <a:t>Open source, docker</a:t>
+            </a:r>
+          </a:p>
+          <a:p>
+            <a:r>
+              <a:rPr lang="en-US" dirty="0"/>
+              <a:t>Fairly new, not very battle tested</a:t>
+            </a:r>
+          </a:p>
+          <a:p>
+            <a:r>
+              <a:rPr lang="en-US" dirty="0"/>
+              <a:t>DS</a:t>
+            </a:r>
+            <a:r>
+              <a:rPr lang="en-US" dirty="0">
+                <a:sym typeface="Wingdings" panose="05000000000000000000" pitchFamily="2" charset="2"/>
+              </a:rPr>
+              <a:t> docker</a:t>
+            </a:r>
+          </a:p>
+          <a:p>
+            <a:r>
+              <a:rPr lang="en-US" dirty="0">
+                <a:sym typeface="Wingdings" panose="05000000000000000000" pitchFamily="2" charset="2"/>
+              </a:rPr>
+              <a:t>Learning is easy</a:t>
+            </a:r>
+          </a:p>
+          <a:p>
+            <a:r>
+              <a:rPr lang="en-US" dirty="0">
+                <a:sym typeface="Wingdings" panose="05000000000000000000" pitchFamily="2" charset="2"/>
+              </a:rPr>
+              <a:t>Vendor </a:t>
+            </a:r>
+            <a:r>
+              <a:rPr lang="en-US" dirty="0" err="1">
+                <a:sym typeface="Wingdings" panose="05000000000000000000" pitchFamily="2" charset="2"/>
+              </a:rPr>
+              <a:t>lockin</a:t>
+            </a:r>
+            <a:r>
+              <a:rPr lang="en-US" dirty="0">
+                <a:sym typeface="Wingdings" panose="05000000000000000000" pitchFamily="2" charset="2"/>
+              </a:rPr>
+              <a:t> ; </a:t>
+            </a:r>
+            <a:endParaRPr lang="en-US" dirty="0"/>
+          </a:p>
+        </p:txBody>
+      </p:sp>
+      <p:sp>
+        <p:nvSpPr>
+          <p:cNvPr id="5" name="TextBox 4">
+            <a:extLst>
+              <a:ext uri="{FF2B5EF4-FFF2-40B4-BE49-F238E27FC236}">
+                <a16:creationId xmlns:a16="http://schemas.microsoft.com/office/drawing/2014/main" id="{2A90CBCC-283E-40A9-A933-391C06C68724}"/>
+              </a:ext>
+            </a:extLst>
+          </p:cNvPr>
+          <p:cNvSpPr txBox="1"/>
+          <p:nvPr/>
+        </p:nvSpPr>
+        <p:spPr>
+          <a:xfrm>
+            <a:off x="7124700" y="1171575"/>
+            <a:ext cx="4048125" cy="1754326"/>
+          </a:xfrm>
+          <a:prstGeom prst="rect">
+            <a:avLst/>
+          </a:prstGeom>
+          <a:noFill/>
+        </p:spPr>
+        <p:txBody>
+          <a:bodyPr wrap="square" rtlCol="0">
+            <a:spAutoFit/>
+          </a:bodyPr>
+          <a:lstStyle/>
+          <a:p>
+            <a:r>
+              <a:rPr lang="en-US" dirty="0"/>
+              <a:t>Opensource , google</a:t>
+            </a:r>
+          </a:p>
+          <a:p>
+            <a:r>
+              <a:rPr lang="en-US" dirty="0"/>
+              <a:t>Benchmarked 10000’s nodes</a:t>
+            </a:r>
+          </a:p>
+          <a:p>
+            <a:r>
+              <a:rPr lang="en-US" dirty="0"/>
+              <a:t>K8s -&gt; can work with other container provider</a:t>
+            </a:r>
+          </a:p>
+          <a:p>
+            <a:r>
+              <a:rPr lang="en-US" dirty="0"/>
+              <a:t>K8s </a:t>
+            </a:r>
+            <a:r>
+              <a:rPr lang="en-US" dirty="0">
+                <a:sym typeface="Wingdings" panose="05000000000000000000" pitchFamily="2" charset="2"/>
+              </a:rPr>
+              <a:t> learning curve is steep</a:t>
+            </a:r>
+          </a:p>
+          <a:p>
+            <a:r>
+              <a:rPr lang="en-US" dirty="0">
+                <a:sym typeface="Wingdings" panose="05000000000000000000" pitchFamily="2" charset="2"/>
+              </a:rPr>
+              <a:t>No vendor lock in</a:t>
+            </a:r>
+            <a:endParaRPr lang="en-US" dirty="0"/>
+          </a:p>
+        </p:txBody>
+      </p:sp>
+    </p:spTree>
+    <p:extLst>
+      <p:ext uri="{BB962C8B-B14F-4D97-AF65-F5344CB8AC3E}">
+        <p14:creationId xmlns:p14="http://schemas.microsoft.com/office/powerpoint/2010/main" val="2783058433"/>
+      </p:ext>
+    </p:extLst>
+  </p:cSld>
+  <p:clrMapOvr>
+    <a:masterClrMapping/>
+  </p:clrMapOvr>
+</p:sld>
+</file>
+
 <file path=ppt/slides/slide2.xml><?xml version="1.0" encoding="utf-8"?>
 <p:sld xmlns:a="http://schemas.openxmlformats.org/drawingml/2006/main" xmlns:r="http://schemas.openxmlformats.org/officeDocument/2006/relationships" xmlns:p="http://schemas.openxmlformats.org/presentationml/2006/main">
   <p:cSld>
